--- a/Automation of the Cloud.pptx
+++ b/Automation of the Cloud.pptx
@@ -111,13 +111,18 @@
       </a:defRPr>
     </a:lvl9pPr>
   </p:defaultTextStyle>
+  <p:extLst>
+    <p:ext uri="{EFAFB233-063F-42B5-8137-9DF3F51BA10A}">
+      <p15:sldGuideLst xmlns:p15="http://schemas.microsoft.com/office/powerpoint/2012/main"/>
+    </p:ext>
+  </p:extLst>
 </p:presentation>
 </file>
 
 <file path=ppt/charts/chart1.xml><?xml version="1.0" encoding="utf-8"?>
 <c:chartSpace xmlns:c="http://schemas.openxmlformats.org/drawingml/2006/chart" xmlns:a="http://schemas.openxmlformats.org/drawingml/2006/main" xmlns:r="http://schemas.openxmlformats.org/officeDocument/2006/relationships" xmlns:c16r2="http://schemas.microsoft.com/office/drawing/2015/06/chart">
   <c:date1904 val="0"/>
-  <c:lang val="en-US"/>
+  <c:lang val="en-GB"/>
   <c:roundedCorners val="0"/>
   <mc:AlternateContent xmlns:mc="http://schemas.openxmlformats.org/markup-compatibility/2006">
     <mc:Choice xmlns:c14="http://schemas.microsoft.com/office/drawing/2007/8/2/chart" Requires="c14">
@@ -161,31 +166,25 @@
           <c:invertIfNegative val="0"/>
           <c:cat>
             <c:strRef>
-              <c:f>Sheet1!$A$2:$A$9</c:f>
+              <c:f>Sheet1!$A$2:$A$7</c:f>
               <c:strCache>
-                <c:ptCount val="8"/>
+                <c:ptCount val="6"/>
                 <c:pt idx="0">
-                  <c:v>Research</c:v>
+                  <c:v>Authentification module</c:v>
                 </c:pt>
                 <c:pt idx="1">
-                  <c:v>Authentification module</c:v>
+                  <c:v>VM Management</c:v>
                 </c:pt>
                 <c:pt idx="2">
-                  <c:v>VM Management</c:v>
+                  <c:v>UI/UX Design</c:v>
                 </c:pt>
                 <c:pt idx="3">
-                  <c:v>Real-Time Updates</c:v>
+                  <c:v>Testing and Debbuging</c:v>
                 </c:pt>
                 <c:pt idx="4">
-                  <c:v>UI/UX Design</c:v>
+                  <c:v>Documentation</c:v>
                 </c:pt>
                 <c:pt idx="5">
-                  <c:v>Testing and Debbuging</c:v>
-                </c:pt>
-                <c:pt idx="6">
-                  <c:v>Documentation</c:v>
-                </c:pt>
-                <c:pt idx="7">
                   <c:v>Integration</c:v>
                 </c:pt>
               </c:strCache>
@@ -193,33 +192,27 @@
           </c:cat>
           <c:val>
             <c:numRef>
-              <c:f>Sheet1!$B$2:$B$9</c:f>
+              <c:f>Sheet1!$B$2:$B$7</c:f>
               <c:numCache>
                 <c:formatCode>General</c:formatCode>
-                <c:ptCount val="8"/>
+                <c:ptCount val="6"/>
                 <c:pt idx="0">
-                  <c:v>5</c:v>
+                  <c:v>4</c:v>
                 </c:pt>
                 <c:pt idx="1">
-                  <c:v>2</c:v>
+                  <c:v>6</c:v>
                 </c:pt>
                 <c:pt idx="2">
-                  <c:v>3</c:v>
+                  <c:v>4</c:v>
                 </c:pt>
                 <c:pt idx="3">
-                  <c:v>1</c:v>
+                  <c:v>8</c:v>
                 </c:pt>
                 <c:pt idx="4">
-                  <c:v>2</c:v>
+                  <c:v>10</c:v>
                 </c:pt>
                 <c:pt idx="5">
-                  <c:v>3</c:v>
-                </c:pt>
-                <c:pt idx="6">
-                  <c:v>2</c:v>
-                </c:pt>
-                <c:pt idx="7">
-                  <c:v>5</c:v>
+                  <c:v>4</c:v>
                 </c:pt>
               </c:numCache>
             </c:numRef>
@@ -256,31 +249,25 @@
           <c:invertIfNegative val="0"/>
           <c:cat>
             <c:strRef>
-              <c:f>Sheet1!$A$2:$A$9</c:f>
+              <c:f>Sheet1!$A$2:$A$7</c:f>
               <c:strCache>
-                <c:ptCount val="8"/>
+                <c:ptCount val="6"/>
                 <c:pt idx="0">
-                  <c:v>Research</c:v>
+                  <c:v>Authentification module</c:v>
                 </c:pt>
                 <c:pt idx="1">
-                  <c:v>Authentification module</c:v>
+                  <c:v>VM Management</c:v>
                 </c:pt>
                 <c:pt idx="2">
-                  <c:v>VM Management</c:v>
+                  <c:v>UI/UX Design</c:v>
                 </c:pt>
                 <c:pt idx="3">
-                  <c:v>Real-Time Updates</c:v>
+                  <c:v>Testing and Debbuging</c:v>
                 </c:pt>
                 <c:pt idx="4">
-                  <c:v>UI/UX Design</c:v>
+                  <c:v>Documentation</c:v>
                 </c:pt>
                 <c:pt idx="5">
-                  <c:v>Testing and Debbuging</c:v>
-                </c:pt>
-                <c:pt idx="6">
-                  <c:v>Documentation</c:v>
-                </c:pt>
-                <c:pt idx="7">
                   <c:v>Integration</c:v>
                 </c:pt>
               </c:strCache>
@@ -288,33 +275,27 @@
           </c:cat>
           <c:val>
             <c:numRef>
-              <c:f>Sheet1!$C$2:$C$9</c:f>
+              <c:f>Sheet1!$C$2:$C$7</c:f>
               <c:numCache>
                 <c:formatCode>General</c:formatCode>
-                <c:ptCount val="8"/>
+                <c:ptCount val="6"/>
                 <c:pt idx="0">
-                  <c:v>3</c:v>
+                  <c:v>10</c:v>
                 </c:pt>
                 <c:pt idx="1">
+                  <c:v>10</c:v>
+                </c:pt>
+                <c:pt idx="2">
+                  <c:v>7</c:v>
+                </c:pt>
+                <c:pt idx="3">
+                  <c:v>7</c:v>
+                </c:pt>
+                <c:pt idx="4">
                   <c:v>5</c:v>
                 </c:pt>
-                <c:pt idx="2">
-                  <c:v>4</c:v>
-                </c:pt>
-                <c:pt idx="3">
-                  <c:v>1.5</c:v>
-                </c:pt>
-                <c:pt idx="4">
-                  <c:v>3</c:v>
-                </c:pt>
                 <c:pt idx="5">
-                  <c:v>2</c:v>
-                </c:pt>
-                <c:pt idx="6">
-                  <c:v>2</c:v>
-                </c:pt>
-                <c:pt idx="7">
-                  <c:v>8</c:v>
+                  <c:v>9</c:v>
                 </c:pt>
               </c:numCache>
             </c:numRef>
@@ -351,31 +332,25 @@
           <c:invertIfNegative val="0"/>
           <c:cat>
             <c:strRef>
-              <c:f>Sheet1!$A$2:$A$9</c:f>
+              <c:f>Sheet1!$A$2:$A$7</c:f>
               <c:strCache>
-                <c:ptCount val="8"/>
+                <c:ptCount val="6"/>
                 <c:pt idx="0">
-                  <c:v>Research</c:v>
+                  <c:v>Authentification module</c:v>
                 </c:pt>
                 <c:pt idx="1">
-                  <c:v>Authentification module</c:v>
+                  <c:v>VM Management</c:v>
                 </c:pt>
                 <c:pt idx="2">
-                  <c:v>VM Management</c:v>
+                  <c:v>UI/UX Design</c:v>
                 </c:pt>
                 <c:pt idx="3">
-                  <c:v>Real-Time Updates</c:v>
+                  <c:v>Testing and Debbuging</c:v>
                 </c:pt>
                 <c:pt idx="4">
-                  <c:v>UI/UX Design</c:v>
+                  <c:v>Documentation</c:v>
                 </c:pt>
                 <c:pt idx="5">
-                  <c:v>Testing and Debbuging</c:v>
-                </c:pt>
-                <c:pt idx="6">
-                  <c:v>Documentation</c:v>
-                </c:pt>
-                <c:pt idx="7">
                   <c:v>Integration</c:v>
                 </c:pt>
               </c:strCache>
@@ -383,30 +358,27 @@
           </c:cat>
           <c:val>
             <c:numRef>
-              <c:f>Sheet1!$D$2:$D$9</c:f>
+              <c:f>Sheet1!$D$2:$D$7</c:f>
               <c:numCache>
                 <c:formatCode>General</c:formatCode>
-                <c:ptCount val="8"/>
+                <c:ptCount val="6"/>
                 <c:pt idx="0">
+                  <c:v>7</c:v>
+                </c:pt>
+                <c:pt idx="1">
                   <c:v>4</c:v>
                 </c:pt>
-                <c:pt idx="1">
-                  <c:v>3</c:v>
-                </c:pt>
                 <c:pt idx="2">
-                  <c:v>4</c:v>
+                  <c:v>10</c:v>
                 </c:pt>
                 <c:pt idx="3">
-                  <c:v>1</c:v>
+                  <c:v>7</c:v>
                 </c:pt>
                 <c:pt idx="4">
-                  <c:v>4</c:v>
+                  <c:v>5</c:v>
                 </c:pt>
                 <c:pt idx="5">
-                  <c:v>3</c:v>
-                </c:pt>
-                <c:pt idx="6">
-                  <c:v>1</c:v>
+                  <c:v>7</c:v>
                 </c:pt>
               </c:numCache>
             </c:numRef>
@@ -471,7 +443,7 @@
                 <a:cs typeface="+mn-cs"/>
               </a:defRPr>
             </a:pPr>
-            <a:endParaRPr lang="en-US"/>
+            <a:endParaRPr lang="en-RO"/>
           </a:p>
         </c:txPr>
         <c:crossAx val="1373375311"/>
@@ -530,7 +502,7 @@
                 <a:cs typeface="+mn-cs"/>
               </a:defRPr>
             </a:pPr>
-            <a:endParaRPr lang="en-US"/>
+            <a:endParaRPr lang="en-RO"/>
           </a:p>
         </c:txPr>
         <c:crossAx val="1373374831"/>
@@ -572,7 +544,7 @@
               <a:cs typeface="+mn-cs"/>
             </a:defRPr>
           </a:pPr>
-          <a:endParaRPr lang="en-US"/>
+          <a:endParaRPr lang="en-RO"/>
         </a:p>
       </c:txPr>
     </c:legend>
@@ -601,7 +573,7 @@
       <a:pPr>
         <a:defRPr/>
       </a:pPr>
-      <a:endParaRPr lang="en-US"/>
+      <a:endParaRPr lang="en-RO"/>
     </a:p>
   </c:txPr>
   <c:externalData r:id="rId3">
@@ -2330,7 +2302,7 @@
         <a:p>
           <a:r>
             <a:rPr lang="en-GB" dirty="0"/>
-            <a:t>Built using Flask for the backend, React for the frontend, and OAuth2 for authentication.</a:t>
+            <a:t>Built using Flask for the backend, React for the frontend, and JWT Authentication for authentication.</a:t>
           </a:r>
           <a:endParaRPr lang="en-US" dirty="0"/>
         </a:p>
@@ -2547,11 +2519,11 @@
     <dgm:cxn modelId="{53BC6137-5909-43AF-8842-B33F79FC371C}" type="presOf" srcId="{9091E938-7889-44C5-B71A-DAF4E1CD8FD4}" destId="{266CD94D-5B01-46ED-9A4C-138EF8786E93}" srcOrd="0" destOrd="0" presId="urn:microsoft.com/office/officeart/2016/7/layout/RepeatingBendingProcessNew"/>
     <dgm:cxn modelId="{C28CCC39-BFF6-4344-9802-A68C5B9E5802}" type="presOf" srcId="{1C676AD9-469A-47F1-B7CE-AC922C62B622}" destId="{CC5D7BAF-6792-4C35-85DA-78F6EB559456}" srcOrd="0" destOrd="0" presId="urn:microsoft.com/office/officeart/2016/7/layout/RepeatingBendingProcessNew"/>
     <dgm:cxn modelId="{25C20D3E-FDBF-4AB7-BD61-D24E0C957FF0}" type="presOf" srcId="{CC5F1BBF-56B0-4D5C-8CB5-DD8C013BD930}" destId="{2A9B7601-24F7-44E7-A964-A92059BCFEA6}" srcOrd="0" destOrd="0" presId="urn:microsoft.com/office/officeart/2016/7/layout/RepeatingBendingProcessNew"/>
+    <dgm:cxn modelId="{ADA71A45-6A05-4FAA-881C-032F975D0FD4}" srcId="{13C4B40C-897E-4897-8C9D-5203E8542D72}" destId="{A6F01EE6-0550-41DF-81FB-F1E577223A34}" srcOrd="1" destOrd="0" parTransId="{0EB7F851-4293-4BBA-AB69-23781B8B2A98}" sibTransId="{2EAC9E3E-ED7F-4BE5-A8C1-357E8C2A6639}"/>
+    <dgm:cxn modelId="{E0C7564F-1BBE-49D1-A3E1-D55665EA60C5}" type="presOf" srcId="{53C194DB-5AC8-47F3-9A8D-3AD924727786}" destId="{9B0053DC-3DAA-40C9-BFCB-CD92D1E8DC97}" srcOrd="0" destOrd="0" presId="urn:microsoft.com/office/officeart/2016/7/layout/RepeatingBendingProcessNew"/>
     <dgm:cxn modelId="{9ED9085B-D6F9-4C70-B9BE-FEE0847686D5}" srcId="{13C4B40C-897E-4897-8C9D-5203E8542D72}" destId="{53C194DB-5AC8-47F3-9A8D-3AD924727786}" srcOrd="3" destOrd="0" parTransId="{4B292BFE-578E-4B00-9345-7B9453A291AE}" sibTransId="{CC5F1BBF-56B0-4D5C-8CB5-DD8C013BD930}"/>
     <dgm:cxn modelId="{3F68825C-595C-4F45-81DC-1E3D56044D3D}" type="presOf" srcId="{E11C94C8-28BE-495B-B58C-CAC08FFDB89B}" destId="{1D384258-0F16-4EFB-BA9E-12208558A0E4}" srcOrd="1" destOrd="0" presId="urn:microsoft.com/office/officeart/2016/7/layout/RepeatingBendingProcessNew"/>
     <dgm:cxn modelId="{610AA363-711D-43AE-B8D3-0CB8BFF30C39}" type="presOf" srcId="{4D4A47AB-148A-4BA3-851B-D72977CD4FA2}" destId="{8F6F3567-CBC5-49FB-B357-48C8CDC9B4D4}" srcOrd="0" destOrd="0" presId="urn:microsoft.com/office/officeart/2016/7/layout/RepeatingBendingProcessNew"/>
-    <dgm:cxn modelId="{ADA71A45-6A05-4FAA-881C-032F975D0FD4}" srcId="{13C4B40C-897E-4897-8C9D-5203E8542D72}" destId="{A6F01EE6-0550-41DF-81FB-F1E577223A34}" srcOrd="1" destOrd="0" parTransId="{0EB7F851-4293-4BBA-AB69-23781B8B2A98}" sibTransId="{2EAC9E3E-ED7F-4BE5-A8C1-357E8C2A6639}"/>
-    <dgm:cxn modelId="{E0C7564F-1BBE-49D1-A3E1-D55665EA60C5}" type="presOf" srcId="{53C194DB-5AC8-47F3-9A8D-3AD924727786}" destId="{9B0053DC-3DAA-40C9-BFCB-CD92D1E8DC97}" srcOrd="0" destOrd="0" presId="urn:microsoft.com/office/officeart/2016/7/layout/RepeatingBendingProcessNew"/>
     <dgm:cxn modelId="{FBF91372-F086-4388-A315-DB23A5686585}" type="presOf" srcId="{CECD5889-8912-4688-BCAD-5D0891EA653F}" destId="{372745F6-BB57-48DC-8B59-DE18E716D504}" srcOrd="1" destOrd="0" presId="urn:microsoft.com/office/officeart/2016/7/layout/RepeatingBendingProcessNew"/>
     <dgm:cxn modelId="{4D2F1C75-637E-426F-92D1-C4829A2927D9}" type="presOf" srcId="{1C676AD9-469A-47F1-B7CE-AC922C62B622}" destId="{B00E27DC-0A9B-4017-A6CD-A07243A70C36}" srcOrd="1" destOrd="0" presId="urn:microsoft.com/office/officeart/2016/7/layout/RepeatingBendingProcessNew"/>
     <dgm:cxn modelId="{E5F7A887-674F-44B2-A8F4-4D91A79EC741}" srcId="{13C4B40C-897E-4897-8C9D-5203E8542D72}" destId="{4D4A47AB-148A-4BA3-851B-D72977CD4FA2}" srcOrd="8" destOrd="0" parTransId="{DB962F75-E2CC-4A0D-8131-60457092AC80}" sibTransId="{EA4C6F24-E7BF-4172-BBD5-EA7C7D709C2C}"/>
@@ -4510,7 +4482,7 @@
           </a:pPr>
           <a:r>
             <a:rPr lang="en-GB" sz="1200" kern="1200" dirty="0"/>
-            <a:t>Built using Flask for the backend, React for the frontend, and OAuth2 for authentication.</a:t>
+            <a:t>Built using Flask for the backend, React for the frontend, and JWT Authentication for authentication.</a:t>
           </a:r>
           <a:endParaRPr lang="en-US" sz="1200" kern="1200" dirty="0"/>
         </a:p>
@@ -5920,7 +5892,7 @@
           <a:p>
             <a:fld id="{53BEF823-48A5-43FC-BE03-E79964288B41}" type="datetimeFigureOut">
               <a:rPr lang="en-US" smtClean="0"/>
-              <a:t>6/2/2024</a:t>
+              <a:t>6/3/24</a:t>
             </a:fld>
             <a:endParaRPr lang="en-US" dirty="0"/>
           </a:p>
@@ -6191,7 +6163,7 @@
             <a:fld id="{53BEF823-48A5-43FC-BE03-E79964288B41}" type="datetimeFigureOut">
               <a:rPr lang="en-US" smtClean="0"/>
               <a:pPr algn="r"/>
-              <a:t>6/2/2024</a:t>
+              <a:t>6/3/24</a:t>
             </a:fld>
             <a:endParaRPr lang="en-US" dirty="0"/>
           </a:p>
@@ -6427,7 +6399,7 @@
             <a:fld id="{53BEF823-48A5-43FC-BE03-E79964288B41}" type="datetimeFigureOut">
               <a:rPr lang="en-US" smtClean="0"/>
               <a:pPr algn="r"/>
-              <a:t>6/2/2024</a:t>
+              <a:t>6/3/24</a:t>
             </a:fld>
             <a:endParaRPr lang="en-US" dirty="0"/>
           </a:p>
@@ -6742,7 +6714,7 @@
             <a:fld id="{53BEF823-48A5-43FC-BE03-E79964288B41}" type="datetimeFigureOut">
               <a:rPr lang="en-US" smtClean="0"/>
               <a:pPr algn="r"/>
-              <a:t>6/2/2024</a:t>
+              <a:t>6/3/24</a:t>
             </a:fld>
             <a:endParaRPr lang="en-US" dirty="0"/>
           </a:p>
@@ -7220,7 +7192,7 @@
             <a:fld id="{53BEF823-48A5-43FC-BE03-E79964288B41}" type="datetimeFigureOut">
               <a:rPr lang="en-US" smtClean="0"/>
               <a:pPr algn="r"/>
-              <a:t>6/2/2024</a:t>
+              <a:t>6/3/24</a:t>
             </a:fld>
             <a:endParaRPr lang="en-US" dirty="0"/>
           </a:p>
@@ -7772,7 +7744,7 @@
             <a:fld id="{53BEF823-48A5-43FC-BE03-E79964288B41}" type="datetimeFigureOut">
               <a:rPr lang="en-US" smtClean="0"/>
               <a:pPr algn="r"/>
-              <a:t>6/2/2024</a:t>
+              <a:t>6/3/24</a:t>
             </a:fld>
             <a:endParaRPr lang="en-US" dirty="0"/>
           </a:p>
@@ -8551,7 +8523,7 @@
             <a:fld id="{53BEF823-48A5-43FC-BE03-E79964288B41}" type="datetimeFigureOut">
               <a:rPr lang="en-US" smtClean="0"/>
               <a:pPr algn="r"/>
-              <a:t>6/2/2024</a:t>
+              <a:t>6/3/24</a:t>
             </a:fld>
             <a:endParaRPr lang="en-US" dirty="0"/>
           </a:p>
@@ -8731,7 +8703,7 @@
             <a:fld id="{53BEF823-48A5-43FC-BE03-E79964288B41}" type="datetimeFigureOut">
               <a:rPr lang="en-US" smtClean="0"/>
               <a:pPr algn="r"/>
-              <a:t>6/2/2024</a:t>
+              <a:t>6/3/24</a:t>
             </a:fld>
             <a:endParaRPr lang="en-US" dirty="0"/>
           </a:p>
@@ -8959,7 +8931,7 @@
             <a:fld id="{53BEF823-48A5-43FC-BE03-E79964288B41}" type="datetimeFigureOut">
               <a:rPr lang="en-US" smtClean="0"/>
               <a:pPr algn="r"/>
-              <a:t>6/2/2024</a:t>
+              <a:t>6/3/24</a:t>
             </a:fld>
             <a:endParaRPr lang="en-US" dirty="0"/>
           </a:p>
@@ -9144,7 +9116,7 @@
             <a:fld id="{53BEF823-48A5-43FC-BE03-E79964288B41}" type="datetimeFigureOut">
               <a:rPr lang="en-US" smtClean="0"/>
               <a:pPr algn="r"/>
-              <a:t>6/2/2024</a:t>
+              <a:t>6/3/24</a:t>
             </a:fld>
             <a:endParaRPr lang="en-US" dirty="0"/>
           </a:p>
@@ -9438,7 +9410,7 @@
             <a:fld id="{53BEF823-48A5-43FC-BE03-E79964288B41}" type="datetimeFigureOut">
               <a:rPr lang="en-US" smtClean="0"/>
               <a:pPr algn="r"/>
-              <a:t>6/2/2024</a:t>
+              <a:t>6/3/24</a:t>
             </a:fld>
             <a:endParaRPr lang="en-US" dirty="0"/>
           </a:p>
@@ -9685,7 +9657,7 @@
             <a:fld id="{53BEF823-48A5-43FC-BE03-E79964288B41}" type="datetimeFigureOut">
               <a:rPr lang="en-US" smtClean="0"/>
               <a:pPr algn="r"/>
-              <a:t>6/2/2024</a:t>
+              <a:t>6/3/24</a:t>
             </a:fld>
             <a:endParaRPr lang="en-US" dirty="0"/>
           </a:p>
@@ -10069,7 +10041,7 @@
             <a:fld id="{53BEF823-48A5-43FC-BE03-E79964288B41}" type="datetimeFigureOut">
               <a:rPr lang="en-US" smtClean="0"/>
               <a:pPr algn="r"/>
-              <a:t>6/2/2024</a:t>
+              <a:t>6/3/24</a:t>
             </a:fld>
             <a:endParaRPr lang="en-US" dirty="0"/>
           </a:p>
@@ -10192,7 +10164,7 @@
             <a:fld id="{53BEF823-48A5-43FC-BE03-E79964288B41}" type="datetimeFigureOut">
               <a:rPr lang="en-US" smtClean="0"/>
               <a:pPr algn="r"/>
-              <a:t>6/2/2024</a:t>
+              <a:t>6/3/24</a:t>
             </a:fld>
             <a:endParaRPr lang="en-US" dirty="0"/>
           </a:p>
@@ -10292,7 +10264,7 @@
             <a:fld id="{53BEF823-48A5-43FC-BE03-E79964288B41}" type="datetimeFigureOut">
               <a:rPr lang="en-US" smtClean="0"/>
               <a:pPr algn="r"/>
-              <a:t>6/2/2024</a:t>
+              <a:t>6/3/24</a:t>
             </a:fld>
             <a:endParaRPr lang="en-US" dirty="0"/>
           </a:p>
@@ -10546,7 +10518,7 @@
             <a:fld id="{53BEF823-48A5-43FC-BE03-E79964288B41}" type="datetimeFigureOut">
               <a:rPr lang="en-US" smtClean="0"/>
               <a:pPr algn="r"/>
-              <a:t>6/2/2024</a:t>
+              <a:t>6/3/24</a:t>
             </a:fld>
             <a:endParaRPr lang="en-US" dirty="0"/>
           </a:p>
@@ -10808,7 +10780,7 @@
             <a:fld id="{53BEF823-48A5-43FC-BE03-E79964288B41}" type="datetimeFigureOut">
               <a:rPr lang="en-US" smtClean="0"/>
               <a:pPr algn="r"/>
-              <a:t>6/2/2024</a:t>
+              <a:t>6/3/24</a:t>
             </a:fld>
             <a:endParaRPr lang="en-US" dirty="0"/>
           </a:p>
@@ -11056,7 +11028,7 @@
             <a:fld id="{53BEF823-48A5-43FC-BE03-E79964288B41}" type="datetimeFigureOut">
               <a:rPr lang="en-US" smtClean="0"/>
               <a:pPr algn="r"/>
-              <a:t>6/2/2024</a:t>
+              <a:t>6/3/24</a:t>
             </a:fld>
             <a:endParaRPr lang="en-US" dirty="0"/>
           </a:p>
@@ -11532,7 +11504,7 @@
         <p:spPr>
           <a:xfrm>
             <a:off x="4687410" y="3632201"/>
-            <a:ext cx="6132990" cy="685800"/>
+            <a:ext cx="6132990" cy="1390536"/>
           </a:xfrm>
         </p:spPr>
         <p:txBody>
@@ -11542,21 +11514,83 @@
           <a:lstStyle/>
           <a:p>
             <a:r>
-              <a:rPr lang="en-GB" sz="800"/>
+              <a:rPr lang="en-GB" sz="800" dirty="0"/>
               <a:t>Farkas Andrei</a:t>
             </a:r>
           </a:p>
           <a:p>
             <a:r>
-              <a:rPr lang="en-GB" sz="800"/>
+              <a:rPr lang="en-GB" sz="800" dirty="0"/>
               <a:t>Ples Serban</a:t>
             </a:r>
           </a:p>
           <a:p>
             <a:r>
-              <a:rPr lang="en-GB" sz="800"/>
-              <a:t>Dinescu Denisa</a:t>
-            </a:r>
+              <a:rPr lang="en-GB" sz="800" dirty="0" err="1"/>
+              <a:t>Dinescu</a:t>
+            </a:r>
+            <a:r>
+              <a:rPr lang="en-GB" sz="800" dirty="0"/>
+              <a:t> </a:t>
+            </a:r>
+            <a:r>
+              <a:rPr lang="en-GB" sz="800" dirty="0" err="1"/>
+              <a:t>Denisa</a:t>
+            </a:r>
+            <a:endParaRPr lang="en-GB" sz="800" dirty="0"/>
+          </a:p>
+          <a:p>
+            <a:r>
+              <a:rPr lang="en-GB" sz="800" dirty="0"/>
+              <a:t>Responsible: Valentin </a:t>
+            </a:r>
+            <a:r>
+              <a:rPr lang="en-GB" sz="800" dirty="0" err="1"/>
+              <a:t>Sorescu</a:t>
+            </a:r>
+            <a:r>
+              <a:rPr lang="en-GB" sz="800" dirty="0"/>
+              <a:t> </a:t>
+            </a:r>
+            <a:r>
+              <a:rPr lang="en-GB" sz="800" dirty="0">
+                <a:hlinkClick r:id="rId2"/>
+              </a:rPr>
+              <a:t>valentin.sorescu@nokia.com</a:t>
+            </a:r>
+            <a:endParaRPr lang="en-GB" sz="800" dirty="0"/>
+          </a:p>
+          <a:p>
+            <a:r>
+              <a:rPr lang="en-GB" sz="800" dirty="0"/>
+              <a:t>                       </a:t>
+            </a:r>
+            <a:r>
+              <a:rPr lang="en-GB" sz="800" dirty="0" err="1"/>
+              <a:t>Iasmin</a:t>
+            </a:r>
+            <a:r>
+              <a:rPr lang="en-GB" sz="800" dirty="0"/>
+              <a:t> </a:t>
+            </a:r>
+            <a:r>
+              <a:rPr lang="en-GB" sz="800" dirty="0" err="1"/>
+              <a:t>Tomici</a:t>
+            </a:r>
+            <a:r>
+              <a:rPr lang="en-GB" sz="800" dirty="0"/>
+              <a:t> </a:t>
+            </a:r>
+            <a:r>
+              <a:rPr lang="en-GB" sz="800" dirty="0">
+                <a:hlinkClick r:id="rId3"/>
+              </a:rPr>
+              <a:t>iasmin.tomici@nokia.com</a:t>
+            </a:r>
+            <a:endParaRPr lang="en-GB" sz="800"/>
+          </a:p>
+          <a:p>
+            <a:endParaRPr lang="en-GB" sz="800" dirty="0"/>
           </a:p>
         </p:txBody>
       </p:sp>
@@ -11575,7 +11609,7 @@
           <p:nvPr/>
         </p:nvPicPr>
         <p:blipFill>
-          <a:blip r:embed="rId2">
+          <a:blip r:embed="rId4">
             <a:extLst>
               <a:ext uri="{28A0092B-C50C-407E-A947-70E740481C1C}">
                 <a14:useLocalDpi xmlns:a14="http://schemas.microsoft.com/office/drawing/2010/main" val="0"/>
@@ -11823,8 +11857,16 @@
               <a:buChar char="•"/>
             </a:pPr>
             <a:r>
-              <a:rPr lang="en-US" sz="1600"/>
-              <a:t>The "Automation of the Cloud" project is designed to streamline the management of virtual machines (VMs) and enhance security through effective user access control within a cloud environment. This project is a comprehensive solution that addresses the complexities associated with VM management, providing a user-friendly interface that simplifies interactions and ensures robust access control mechanisms. The primary goal is to deliver a platform that not only facilitates VM operations but also secures access and automates various administrative tasks.</a:t>
+              <a:rPr lang="en-US" sz="1600" dirty="0"/>
+              <a:t>The "Automation of the Cloud" project is designed to streamline the management of virtual machines (VMs) and automatize a time costly and repetitive task. This project is a solution for the daily tasks in </a:t>
+            </a:r>
+            <a:r>
+              <a:rPr lang="en-US" sz="1600" dirty="0" err="1"/>
+              <a:t>nokia</a:t>
+            </a:r>
+            <a:r>
+              <a:rPr lang="en-US" sz="1600" dirty="0"/>
+              <a:t> testers lives, providing a user-friendly interface that simplifies interactions. The primary goal is to deliver a platform that not only facilitates VM operations but also secures access and automates various administrative tasks.</a:t>
             </a:r>
           </a:p>
         </p:txBody>
@@ -11986,7 +12028,7 @@
             <p:ph idx="1"/>
             <p:extLst>
               <p:ext uri="{D42A27DB-BD31-4B8C-83A1-F6EECF244321}">
-                <p14:modId xmlns:p14="http://schemas.microsoft.com/office/powerpoint/2010/main" val="1398150758"/>
+                <p14:modId xmlns:p14="http://schemas.microsoft.com/office/powerpoint/2010/main" val="1784296856"/>
               </p:ext>
             </p:extLst>
           </p:nvPr>
@@ -12122,7 +12164,7 @@
             </a:pPr>
             <a:r>
               <a:rPr lang="en-GB" dirty="0"/>
-              <a:t>Utilizes OAuth2 for secure authentication.</a:t>
+              <a:t>Utilizes JWT for secure authentication.</a:t>
             </a:r>
           </a:p>
           <a:p>
@@ -12191,7 +12233,7 @@
             </a:pPr>
             <a:r>
               <a:rPr lang="en-GB" dirty="0"/>
-              <a:t>Allows users to quickly see which VMs are active, inactive, or need attention.</a:t>
+              <a:t>Allows users to quickly see the available VMs and easily access them.</a:t>
             </a:r>
           </a:p>
         </p:txBody>
@@ -12381,7 +12423,7 @@
             </a:pPr>
             <a:r>
               <a:rPr lang="en-GB" dirty="0"/>
-              <a:t>Users can create, update, delete, and connect to VMs.</a:t>
+              <a:t>Admins can create, update, delete, and connect to VMs.</a:t>
             </a:r>
           </a:p>
           <a:p>
@@ -12401,7 +12443,7 @@
             </a:pPr>
             <a:r>
               <a:rPr lang="en-GB" dirty="0"/>
-              <a:t>Provides detailed information about each VM, such as IP addresses, status, and owner.</a:t>
+              <a:t>Provides detailed information about each VM, such as IP addresses, name, and owner.</a:t>
             </a:r>
           </a:p>
         </p:txBody>
@@ -12769,7 +12811,7 @@
             </a:pPr>
             <a:r>
               <a:rPr lang="en-GB" sz="1400" dirty="0"/>
-              <a:t>Implementing a secure and efficient authentication mechanism using OAuth2.</a:t>
+              <a:t>Implementing a secure and efficient authentication mechanism.</a:t>
             </a:r>
           </a:p>
           <a:p>
@@ -12800,7 +12842,7 @@
             </a:pPr>
             <a:r>
               <a:rPr lang="en-GB" sz="1400" dirty="0"/>
-              <a:t>Integrated OAuth2 for secure login and signup processes.</a:t>
+              <a:t>Integrated JWT for secure login and signup processes.</a:t>
             </a:r>
           </a:p>
           <a:p>
@@ -12816,83 +12858,7 @@
           <a:p>
             <a:r>
               <a:rPr lang="en-GB" sz="1400" b="1" dirty="0"/>
-              <a:t>2. Real-Time Updates:</a:t>
-            </a:r>
-          </a:p>
-          <a:p>
-            <a:pPr>
-              <a:buFont typeface="Arial" panose="020B0604020202020204" pitchFamily="34" charset="0"/>
-              <a:buChar char="•"/>
-            </a:pPr>
-            <a:r>
-              <a:rPr lang="en-GB" sz="1400" b="1" dirty="0"/>
-              <a:t>Challenge:</a:t>
-            </a:r>
-            <a:endParaRPr lang="en-GB" sz="1400" dirty="0"/>
-          </a:p>
-          <a:p>
-            <a:pPr marL="742950" lvl="1" indent="-285750">
-              <a:buFont typeface="Arial" panose="020B0604020202020204" pitchFamily="34" charset="0"/>
-              <a:buChar char="•"/>
-            </a:pPr>
-            <a:r>
-              <a:rPr lang="en-GB" sz="1400" dirty="0"/>
-              <a:t>Providing real-time updates to users without causing performance issues.</a:t>
-            </a:r>
-          </a:p>
-          <a:p>
-            <a:pPr marL="742950" lvl="1" indent="-285750">
-              <a:buFont typeface="Arial" panose="020B0604020202020204" pitchFamily="34" charset="0"/>
-              <a:buChar char="•"/>
-            </a:pPr>
-            <a:r>
-              <a:rPr lang="en-GB" sz="1400" dirty="0"/>
-              <a:t>Ensuring data consistency across the platform.</a:t>
-            </a:r>
-          </a:p>
-          <a:p>
-            <a:pPr>
-              <a:buFont typeface="Arial" panose="020B0604020202020204" pitchFamily="34" charset="0"/>
-              <a:buChar char="•"/>
-            </a:pPr>
-            <a:r>
-              <a:rPr lang="en-GB" sz="1400" b="1" dirty="0"/>
-              <a:t>Solution:</a:t>
-            </a:r>
-            <a:endParaRPr lang="en-GB" sz="1400" dirty="0"/>
-          </a:p>
-          <a:p>
-            <a:pPr marL="742950" lvl="1" indent="-285750">
-              <a:buFont typeface="Arial" panose="020B0604020202020204" pitchFamily="34" charset="0"/>
-              <a:buChar char="•"/>
-            </a:pPr>
-            <a:r>
-              <a:rPr lang="en-GB" sz="1400" dirty="0"/>
-              <a:t>Utilized </a:t>
-            </a:r>
-            <a:r>
-              <a:rPr lang="en-GB" sz="1400" dirty="0" err="1"/>
-              <a:t>WebSockets</a:t>
-            </a:r>
-            <a:r>
-              <a:rPr lang="en-GB" sz="1400" dirty="0"/>
-              <a:t> to deliver instant updates on VM statuses and other critical information.</a:t>
-            </a:r>
-          </a:p>
-          <a:p>
-            <a:pPr marL="742950" lvl="1" indent="-285750">
-              <a:buFont typeface="Arial" panose="020B0604020202020204" pitchFamily="34" charset="0"/>
-              <a:buChar char="•"/>
-            </a:pPr>
-            <a:r>
-              <a:rPr lang="en-GB" sz="1400" dirty="0"/>
-              <a:t>Implemented data validation and synchronization techniques to maintain consistency.</a:t>
-            </a:r>
-          </a:p>
-          <a:p>
-            <a:r>
-              <a:rPr lang="en-GB" sz="1400" b="1" dirty="0"/>
-              <a:t>3. User Interface Design:</a:t>
+              <a:t>2. User Interface Design:</a:t>
             </a:r>
           </a:p>
           <a:p>
@@ -13232,7 +13198,7 @@
             </a:pPr>
             <a:r>
               <a:rPr lang="en-GB" sz="1600" dirty="0"/>
-              <a:t>Users sign up or log in using OAuth2.</a:t>
+              <a:t>Users sign up or log in using JWT.</a:t>
             </a:r>
           </a:p>
           <a:p>
@@ -13256,32 +13222,18 @@
             </a:r>
           </a:p>
           <a:p>
+            <a:r>
+              <a:rPr lang="en-GB" sz="1600" b="1" dirty="0"/>
+              <a:t>2. VM Management:</a:t>
+            </a:r>
+          </a:p>
+          <a:p>
             <a:pPr>
               <a:buFont typeface="Arial" panose="020B0604020202020204" pitchFamily="34" charset="0"/>
               <a:buChar char="•"/>
             </a:pPr>
             <a:r>
               <a:rPr lang="en-GB" sz="1600" b="1" dirty="0"/>
-              <a:t>Visual:</a:t>
-            </a:r>
-            <a:r>
-              <a:rPr lang="en-GB" sz="1600" dirty="0"/>
-              <a:t> Diagram showing the flow of the authentication process, from login/signup to role assignment.</a:t>
-            </a:r>
-          </a:p>
-          <a:p>
-            <a:r>
-              <a:rPr lang="en-GB" sz="1600" b="1" dirty="0"/>
-              <a:t>2. VM Management:</a:t>
-            </a:r>
-          </a:p>
-          <a:p>
-            <a:pPr>
-              <a:buFont typeface="Arial" panose="020B0604020202020204" pitchFamily="34" charset="0"/>
-              <a:buChar char="•"/>
-            </a:pPr>
-            <a:r>
-              <a:rPr lang="en-GB" sz="1600" b="1" dirty="0"/>
               <a:t>Process:</a:t>
             </a:r>
             <a:endParaRPr lang="en-GB" sz="1600" dirty="0"/>
@@ -13314,85 +13266,6 @@
             <a:r>
               <a:rPr lang="en-GB" sz="1600" dirty="0"/>
               <a:t>Real-time updates ensure users see the latest VM status without refreshing the page.</a:t>
-            </a:r>
-          </a:p>
-          <a:p>
-            <a:pPr>
-              <a:buFont typeface="Arial" panose="020B0604020202020204" pitchFamily="34" charset="0"/>
-              <a:buChar char="•"/>
-            </a:pPr>
-            <a:r>
-              <a:rPr lang="en-GB" sz="1600" b="1" dirty="0"/>
-              <a:t>Visual:</a:t>
-            </a:r>
-            <a:r>
-              <a:rPr lang="en-GB" sz="1600" dirty="0"/>
-              <a:t> Flowchart illustrating the VM management process, including user actions and backend responses.</a:t>
-            </a:r>
-          </a:p>
-          <a:p>
-            <a:r>
-              <a:rPr lang="en-GB" sz="1600" b="1" dirty="0"/>
-              <a:t>3. Real-Time Updates and Notifications:</a:t>
-            </a:r>
-          </a:p>
-          <a:p>
-            <a:pPr>
-              <a:buFont typeface="Arial" panose="020B0604020202020204" pitchFamily="34" charset="0"/>
-              <a:buChar char="•"/>
-            </a:pPr>
-            <a:r>
-              <a:rPr lang="en-GB" sz="1600" b="1" dirty="0"/>
-              <a:t>Process:</a:t>
-            </a:r>
-            <a:endParaRPr lang="en-GB" sz="1600" dirty="0"/>
-          </a:p>
-          <a:p>
-            <a:pPr marL="742950" lvl="1" indent="-285750">
-              <a:buFont typeface="Arial" panose="020B0604020202020204" pitchFamily="34" charset="0"/>
-              <a:buChar char="•"/>
-            </a:pPr>
-            <a:r>
-              <a:rPr lang="en-GB" sz="1600" dirty="0" err="1"/>
-              <a:t>WebSockets</a:t>
-            </a:r>
-            <a:r>
-              <a:rPr lang="en-GB" sz="1600" dirty="0"/>
-              <a:t> handle real-time communication between the server and the client.</a:t>
-            </a:r>
-          </a:p>
-          <a:p>
-            <a:pPr marL="742950" lvl="1" indent="-285750">
-              <a:buFont typeface="Arial" panose="020B0604020202020204" pitchFamily="34" charset="0"/>
-              <a:buChar char="•"/>
-            </a:pPr>
-            <a:r>
-              <a:rPr lang="en-GB" sz="1600" dirty="0"/>
-              <a:t>Users receive instant notifications about important events, such as access grants and VM status changes.</a:t>
-            </a:r>
-          </a:p>
-          <a:p>
-            <a:pPr marL="742950" lvl="1" indent="-285750">
-              <a:buFont typeface="Arial" panose="020B0604020202020204" pitchFamily="34" charset="0"/>
-              <a:buChar char="•"/>
-            </a:pPr>
-            <a:r>
-              <a:rPr lang="en-GB" sz="1600" dirty="0"/>
-              <a:t>Notifications are customizable and can be delivered in-app or via email.</a:t>
-            </a:r>
-          </a:p>
-          <a:p>
-            <a:pPr>
-              <a:buFont typeface="Arial" panose="020B0604020202020204" pitchFamily="34" charset="0"/>
-              <a:buChar char="•"/>
-            </a:pPr>
-            <a:r>
-              <a:rPr lang="en-GB" sz="1600" b="1" dirty="0"/>
-              <a:t>Visual:</a:t>
-            </a:r>
-            <a:r>
-              <a:rPr lang="en-GB" sz="1600" dirty="0"/>
-              <a:t> Diagram showing the real-time update flow, including WebSocket connections and notification delivery.</a:t>
             </a:r>
           </a:p>
         </p:txBody>
@@ -13476,7 +13349,7 @@
             <p:ph idx="1"/>
             <p:extLst>
               <p:ext uri="{D42A27DB-BD31-4B8C-83A1-F6EECF244321}">
-                <p14:modId xmlns:p14="http://schemas.microsoft.com/office/powerpoint/2010/main" val="3907527387"/>
+                <p14:modId xmlns:p14="http://schemas.microsoft.com/office/powerpoint/2010/main" val="2724402396"/>
               </p:ext>
             </p:extLst>
           </p:nvPr>
